--- a/BitcoinPreisundTweets_v02.pptx
+++ b/BitcoinPreisundTweets_v02.pptx
@@ -17,8 +17,7 @@
     <p:sldId id="270" r:id="rId14"/>
     <p:sldId id="271" r:id="rId15"/>
     <p:sldId id="272" r:id="rId16"/>
-    <p:sldId id="273" r:id="rId17"/>
-    <p:sldId id="269" r:id="rId18"/>
+    <p:sldId id="269" r:id="rId17"/>
   </p:sldIdLst>
   <p:sldSz cx="12192000" cy="6858000"/>
   <p:notesSz cx="6858000" cy="9144000"/>
@@ -363,7 +362,7 @@
           <a:p>
             <a:fld id="{ED291B17-9318-49DB-B28B-6E5994AE9581}" type="datetime1">
               <a:rPr lang="en-US" smtClean="0"/>
-              <a:t>13-Jun-21</a:t>
+              <a:t>15-Jun-21</a:t>
             </a:fld>
             <a:endParaRPr lang="en-US" dirty="0"/>
           </a:p>
@@ -566,7 +565,7 @@
           <a:p>
             <a:fld id="{2CED4963-E985-44C4-B8C4-FDD613B7C2F8}" type="datetime1">
               <a:rPr lang="en-US" smtClean="0"/>
-              <a:t>13-Jun-21</a:t>
+              <a:t>15-Jun-21</a:t>
             </a:fld>
             <a:endParaRPr lang="en-US" dirty="0"/>
           </a:p>
@@ -928,7 +927,7 @@
           <a:p>
             <a:fld id="{ED291B17-9318-49DB-B28B-6E5994AE9581}" type="datetime1">
               <a:rPr lang="en-US" smtClean="0"/>
-              <a:t>13-Jun-21</a:t>
+              <a:t>15-Jun-21</a:t>
             </a:fld>
             <a:endParaRPr lang="en-US" dirty="0"/>
           </a:p>
@@ -1126,7 +1125,7 @@
           <a:p>
             <a:fld id="{78DD82B9-B8EE-4375-B6FF-88FA6ABB15D9}" type="datetime1">
               <a:rPr lang="en-US" smtClean="0"/>
-              <a:t>13-Jun-21</a:t>
+              <a:t>15-Jun-21</a:t>
             </a:fld>
             <a:endParaRPr lang="en-US" dirty="0"/>
           </a:p>
@@ -1438,7 +1437,7 @@
           <a:p>
             <a:fld id="{B2497495-0637-405E-AE64-5CC7506D51F5}" type="datetime1">
               <a:rPr lang="en-US" smtClean="0"/>
-              <a:t>13-Jun-21</a:t>
+              <a:t>15-Jun-21</a:t>
             </a:fld>
             <a:endParaRPr lang="en-US" dirty="0"/>
           </a:p>
@@ -1691,7 +1690,7 @@
           <a:p>
             <a:fld id="{7BFFD690-9426-415D-8B65-26881E07B2D4}" type="datetime1">
               <a:rPr lang="en-US" smtClean="0"/>
-              <a:t>13-Jun-21</a:t>
+              <a:t>15-Jun-21</a:t>
             </a:fld>
             <a:endParaRPr lang="en-US" dirty="0"/>
           </a:p>
@@ -2113,7 +2112,7 @@
           <a:p>
             <a:fld id="{04C4989A-474C-40DE-95B9-011C28B71673}" type="datetime1">
               <a:rPr lang="en-US" smtClean="0"/>
-              <a:t>13-Jun-21</a:t>
+              <a:t>15-Jun-21</a:t>
             </a:fld>
             <a:endParaRPr lang="en-US" dirty="0"/>
           </a:p>
@@ -2236,7 +2235,7 @@
           <a:p>
             <a:fld id="{5DB4ED54-5B5E-4A04-93D3-5772E3CE3818}" type="datetime1">
               <a:rPr lang="en-US" smtClean="0"/>
-              <a:t>13-Jun-21</a:t>
+              <a:t>15-Jun-21</a:t>
             </a:fld>
             <a:endParaRPr lang="en-US" dirty="0"/>
           </a:p>
@@ -2331,7 +2330,7 @@
           <a:p>
             <a:fld id="{4EDE50D6-574B-40AF-946F-D52A04ADE379}" type="datetime1">
               <a:rPr lang="en-US" smtClean="0"/>
-              <a:t>13-Jun-21</a:t>
+              <a:t>15-Jun-21</a:t>
             </a:fld>
             <a:endParaRPr lang="en-US" dirty="0"/>
           </a:p>
@@ -2708,7 +2707,7 @@
           <a:p>
             <a:fld id="{D82884F1-FFEA-405F-9602-3DCA865EDA4E}" type="datetime1">
               <a:rPr lang="en-US" smtClean="0"/>
-              <a:t>13-Jun-21</a:t>
+              <a:t>15-Jun-21</a:t>
             </a:fld>
             <a:endParaRPr lang="en-US" dirty="0"/>
           </a:p>
@@ -3001,7 +3000,7 @@
           <a:p>
             <a:fld id="{7E18DB4A-8810-4A10-AD5C-D5E2C667F5B3}" type="datetime1">
               <a:rPr lang="en-US" smtClean="0"/>
-              <a:t>13-Jun-21</a:t>
+              <a:t>15-Jun-21</a:t>
             </a:fld>
             <a:endParaRPr lang="en-US" dirty="0"/>
           </a:p>
@@ -3216,7 +3215,7 @@
           <a:p>
             <a:fld id="{ED291B17-9318-49DB-B28B-6E5994AE9581}" type="datetime1">
               <a:rPr lang="en-US" smtClean="0"/>
-              <a:t>13-Jun-21</a:t>
+              <a:t>15-Jun-21</a:t>
             </a:fld>
             <a:endParaRPr lang="en-US" dirty="0"/>
           </a:p>
@@ -4491,7 +4490,7 @@
         </p:spPr>
         <p:txBody>
           <a:bodyPr anchor="t">
-            <a:normAutofit fontScale="92500" lnSpcReduction="20000"/>
+            <a:normAutofit fontScale="92500" lnSpcReduction="10000"/>
           </a:bodyPr>
           <a:lstStyle/>
           <a:p>
@@ -4663,86 +4662,6 @@
               </a:rPr>
               <a:t> Limit</a:t>
             </a:r>
-          </a:p>
-          <a:p>
-            <a:pPr lvl="1"/>
-            <a:r>
-              <a:rPr lang="en-US" sz="1500" dirty="0" err="1">
-                <a:solidFill>
-                  <a:srgbClr val="222222"/>
-                </a:solidFill>
-                <a:latin typeface="Calibri" panose="020F0502020204030204" pitchFamily="34" charset="0"/>
-                <a:ea typeface="Times New Roman" panose="02020603050405020304" pitchFamily="18" charset="0"/>
-              </a:rPr>
-              <a:t>Preis-Änderung</a:t>
-            </a:r>
-            <a:r>
-              <a:rPr lang="en-US" sz="1500" dirty="0">
-                <a:solidFill>
-                  <a:srgbClr val="222222"/>
-                </a:solidFill>
-                <a:latin typeface="Calibri" panose="020F0502020204030204" pitchFamily="34" charset="0"/>
-                <a:ea typeface="Times New Roman" panose="02020603050405020304" pitchFamily="18" charset="0"/>
-              </a:rPr>
-              <a:t> </a:t>
-            </a:r>
-            <a:r>
-              <a:rPr lang="en-US" sz="1500" dirty="0" err="1">
-                <a:solidFill>
-                  <a:srgbClr val="222222"/>
-                </a:solidFill>
-                <a:latin typeface="Calibri" panose="020F0502020204030204" pitchFamily="34" charset="0"/>
-                <a:ea typeface="Times New Roman" panose="02020603050405020304" pitchFamily="18" charset="0"/>
-              </a:rPr>
-              <a:t>immer</a:t>
-            </a:r>
-            <a:r>
-              <a:rPr lang="en-US" sz="1500" dirty="0">
-                <a:solidFill>
-                  <a:srgbClr val="222222"/>
-                </a:solidFill>
-                <a:latin typeface="Calibri" panose="020F0502020204030204" pitchFamily="34" charset="0"/>
-                <a:ea typeface="Times New Roman" panose="02020603050405020304" pitchFamily="18" charset="0"/>
-              </a:rPr>
-              <a:t> auf alle </a:t>
-            </a:r>
-            <a:r>
-              <a:rPr lang="en-US" sz="1500" dirty="0" err="1">
-                <a:solidFill>
-                  <a:srgbClr val="222222"/>
-                </a:solidFill>
-                <a:latin typeface="Calibri" panose="020F0502020204030204" pitchFamily="34" charset="0"/>
-                <a:ea typeface="Times New Roman" panose="02020603050405020304" pitchFamily="18" charset="0"/>
-              </a:rPr>
-              <a:t>Einträge</a:t>
-            </a:r>
-            <a:r>
-              <a:rPr lang="en-US" sz="1500" dirty="0">
-                <a:solidFill>
-                  <a:srgbClr val="222222"/>
-                </a:solidFill>
-                <a:latin typeface="Calibri" panose="020F0502020204030204" pitchFamily="34" charset="0"/>
-                <a:ea typeface="Times New Roman" panose="02020603050405020304" pitchFamily="18" charset="0"/>
-              </a:rPr>
-              <a:t> </a:t>
-            </a:r>
-            <a:r>
-              <a:rPr lang="en-US" sz="1500" dirty="0" err="1">
-                <a:solidFill>
-                  <a:srgbClr val="222222"/>
-                </a:solidFill>
-                <a:latin typeface="Calibri" panose="020F0502020204030204" pitchFamily="34" charset="0"/>
-                <a:ea typeface="Times New Roman" panose="02020603050405020304" pitchFamily="18" charset="0"/>
-              </a:rPr>
-              <a:t>angepasst</a:t>
-            </a:r>
-            <a:endParaRPr lang="en-US" sz="1500" dirty="0">
-              <a:solidFill>
-                <a:srgbClr val="222222"/>
-              </a:solidFill>
-              <a:latin typeface="Calibri" panose="020F0502020204030204" pitchFamily="34" charset="0"/>
-              <a:ea typeface="Times New Roman" panose="02020603050405020304" pitchFamily="18" charset="0"/>
-            </a:endParaRPr>
           </a:p>
           <a:p>
             <a:pPr lvl="1"/>
@@ -4984,7 +4903,7 @@
         </p:spPr>
         <p:txBody>
           <a:bodyPr anchor="t">
-            <a:normAutofit lnSpcReduction="10000"/>
+            <a:normAutofit fontScale="92500" lnSpcReduction="10000"/>
           </a:bodyPr>
           <a:lstStyle/>
           <a:p>
@@ -5058,6 +4977,209 @@
           <a:p>
             <a:pPr lvl="1"/>
             <a:r>
+              <a:rPr lang="en-US" sz="1500" dirty="0" err="1">
+                <a:solidFill>
+                  <a:srgbClr val="222222"/>
+                </a:solidFill>
+                <a:latin typeface="Calibri" panose="020F0502020204030204" pitchFamily="34" charset="0"/>
+                <a:ea typeface="Times New Roman" panose="02020603050405020304" pitchFamily="18" charset="0"/>
+              </a:rPr>
+              <a:t>Preis-Änderung</a:t>
+            </a:r>
+            <a:r>
+              <a:rPr lang="en-US" sz="1500" dirty="0">
+                <a:solidFill>
+                  <a:srgbClr val="222222"/>
+                </a:solidFill>
+                <a:latin typeface="Calibri" panose="020F0502020204030204" pitchFamily="34" charset="0"/>
+                <a:ea typeface="Times New Roman" panose="02020603050405020304" pitchFamily="18" charset="0"/>
+              </a:rPr>
+              <a:t> </a:t>
+            </a:r>
+            <a:r>
+              <a:rPr lang="en-US" sz="1500" dirty="0" err="1">
+                <a:solidFill>
+                  <a:srgbClr val="222222"/>
+                </a:solidFill>
+                <a:latin typeface="Calibri" panose="020F0502020204030204" pitchFamily="34" charset="0"/>
+                <a:ea typeface="Times New Roman" panose="02020603050405020304" pitchFamily="18" charset="0"/>
+              </a:rPr>
+              <a:t>wird</a:t>
+            </a:r>
+            <a:r>
+              <a:rPr lang="en-US" sz="1500" dirty="0">
+                <a:solidFill>
+                  <a:srgbClr val="222222"/>
+                </a:solidFill>
+                <a:latin typeface="Calibri" panose="020F0502020204030204" pitchFamily="34" charset="0"/>
+                <a:ea typeface="Times New Roman" panose="02020603050405020304" pitchFamily="18" charset="0"/>
+              </a:rPr>
+              <a:t> </a:t>
+            </a:r>
+            <a:r>
+              <a:rPr lang="en-US" sz="1500" dirty="0" err="1">
+                <a:solidFill>
+                  <a:srgbClr val="222222"/>
+                </a:solidFill>
+                <a:latin typeface="Calibri" panose="020F0502020204030204" pitchFamily="34" charset="0"/>
+                <a:ea typeface="Times New Roman" panose="02020603050405020304" pitchFamily="18" charset="0"/>
+              </a:rPr>
+              <a:t>immer</a:t>
+            </a:r>
+            <a:r>
+              <a:rPr lang="en-US" sz="1500" dirty="0">
+                <a:solidFill>
+                  <a:srgbClr val="222222"/>
+                </a:solidFill>
+                <a:latin typeface="Calibri" panose="020F0502020204030204" pitchFamily="34" charset="0"/>
+                <a:ea typeface="Times New Roman" panose="02020603050405020304" pitchFamily="18" charset="0"/>
+              </a:rPr>
+              <a:t> auf alle </a:t>
+            </a:r>
+            <a:r>
+              <a:rPr lang="en-US" sz="1500" dirty="0" err="1">
+                <a:solidFill>
+                  <a:srgbClr val="222222"/>
+                </a:solidFill>
+                <a:latin typeface="Calibri" panose="020F0502020204030204" pitchFamily="34" charset="0"/>
+                <a:ea typeface="Times New Roman" panose="02020603050405020304" pitchFamily="18" charset="0"/>
+              </a:rPr>
+              <a:t>Einträge</a:t>
+            </a:r>
+            <a:r>
+              <a:rPr lang="en-US" sz="1500" dirty="0">
+                <a:solidFill>
+                  <a:srgbClr val="222222"/>
+                </a:solidFill>
+                <a:latin typeface="Calibri" panose="020F0502020204030204" pitchFamily="34" charset="0"/>
+                <a:ea typeface="Times New Roman" panose="02020603050405020304" pitchFamily="18" charset="0"/>
+              </a:rPr>
+              <a:t> </a:t>
+            </a:r>
+            <a:r>
+              <a:rPr lang="en-US" sz="1500" dirty="0" err="1">
+                <a:solidFill>
+                  <a:srgbClr val="222222"/>
+                </a:solidFill>
+                <a:latin typeface="Calibri" panose="020F0502020204030204" pitchFamily="34" charset="0"/>
+                <a:ea typeface="Times New Roman" panose="02020603050405020304" pitchFamily="18" charset="0"/>
+              </a:rPr>
+              <a:t>angepasst</a:t>
+            </a:r>
+            <a:r>
+              <a:rPr lang="en-US" sz="1500" dirty="0">
+                <a:solidFill>
+                  <a:srgbClr val="222222"/>
+                </a:solidFill>
+                <a:latin typeface="Calibri" panose="020F0502020204030204" pitchFamily="34" charset="0"/>
+                <a:ea typeface="Times New Roman" panose="02020603050405020304" pitchFamily="18" charset="0"/>
+              </a:rPr>
+              <a:t>: Alternatives </a:t>
+            </a:r>
+            <a:r>
+              <a:rPr lang="en-US" sz="1500" dirty="0" err="1">
+                <a:solidFill>
+                  <a:srgbClr val="222222"/>
+                </a:solidFill>
+                <a:latin typeface="Calibri" panose="020F0502020204030204" pitchFamily="34" charset="0"/>
+                <a:ea typeface="Times New Roman" panose="02020603050405020304" pitchFamily="18" charset="0"/>
+              </a:rPr>
+              <a:t>Konzept</a:t>
+            </a:r>
+            <a:r>
+              <a:rPr lang="en-US" sz="1500" dirty="0">
+                <a:solidFill>
+                  <a:srgbClr val="222222"/>
+                </a:solidFill>
+                <a:latin typeface="Calibri" panose="020F0502020204030204" pitchFamily="34" charset="0"/>
+                <a:ea typeface="Times New Roman" panose="02020603050405020304" pitchFamily="18" charset="0"/>
+              </a:rPr>
+              <a:t> </a:t>
+            </a:r>
+            <a:r>
+              <a:rPr lang="en-US" sz="1500" dirty="0" err="1">
+                <a:solidFill>
+                  <a:srgbClr val="222222"/>
+                </a:solidFill>
+                <a:latin typeface="Calibri" panose="020F0502020204030204" pitchFamily="34" charset="0"/>
+                <a:ea typeface="Times New Roman" panose="02020603050405020304" pitchFamily="18" charset="0"/>
+              </a:rPr>
+              <a:t>benötigt</a:t>
+            </a:r>
+            <a:r>
+              <a:rPr lang="en-US" sz="1500" dirty="0">
+                <a:solidFill>
+                  <a:srgbClr val="222222"/>
+                </a:solidFill>
+                <a:latin typeface="Calibri" panose="020F0502020204030204" pitchFamily="34" charset="0"/>
+                <a:ea typeface="Times New Roman" panose="02020603050405020304" pitchFamily="18" charset="0"/>
+              </a:rPr>
+              <a:t>: 2ter Producer </a:t>
+            </a:r>
+            <a:r>
+              <a:rPr lang="en-US" sz="1500" dirty="0" err="1">
+                <a:solidFill>
+                  <a:srgbClr val="222222"/>
+                </a:solidFill>
+                <a:latin typeface="Calibri" panose="020F0502020204030204" pitchFamily="34" charset="0"/>
+                <a:ea typeface="Times New Roman" panose="02020603050405020304" pitchFamily="18" charset="0"/>
+              </a:rPr>
+              <a:t>machen</a:t>
+            </a:r>
+            <a:r>
+              <a:rPr lang="en-US" sz="1500" dirty="0">
+                <a:solidFill>
+                  <a:srgbClr val="222222"/>
+                </a:solidFill>
+                <a:latin typeface="Calibri" panose="020F0502020204030204" pitchFamily="34" charset="0"/>
+                <a:ea typeface="Times New Roman" panose="02020603050405020304" pitchFamily="18" charset="0"/>
+              </a:rPr>
+              <a:t> und </a:t>
+            </a:r>
+            <a:r>
+              <a:rPr lang="en-US" sz="1500" dirty="0" err="1">
+                <a:solidFill>
+                  <a:srgbClr val="222222"/>
+                </a:solidFill>
+                <a:latin typeface="Calibri" panose="020F0502020204030204" pitchFamily="34" charset="0"/>
+                <a:ea typeface="Times New Roman" panose="02020603050405020304" pitchFamily="18" charset="0"/>
+              </a:rPr>
+              <a:t>dann</a:t>
+            </a:r>
+            <a:r>
+              <a:rPr lang="en-US" sz="1500" dirty="0">
+                <a:solidFill>
+                  <a:srgbClr val="222222"/>
+                </a:solidFill>
+                <a:latin typeface="Calibri" panose="020F0502020204030204" pitchFamily="34" charset="0"/>
+                <a:ea typeface="Times New Roman" panose="02020603050405020304" pitchFamily="18" charset="0"/>
+              </a:rPr>
+              <a:t> Streams </a:t>
+            </a:r>
+            <a:r>
+              <a:rPr lang="en-US" sz="1500" dirty="0" err="1">
+                <a:solidFill>
+                  <a:srgbClr val="222222"/>
+                </a:solidFill>
+                <a:latin typeface="Calibri" panose="020F0502020204030204" pitchFamily="34" charset="0"/>
+                <a:ea typeface="Times New Roman" panose="02020603050405020304" pitchFamily="18" charset="0"/>
+              </a:rPr>
+              <a:t>joinen</a:t>
+            </a:r>
+            <a:r>
+              <a:rPr lang="en-US" sz="1500" dirty="0">
+                <a:solidFill>
+                  <a:srgbClr val="222222"/>
+                </a:solidFill>
+                <a:latin typeface="Calibri" panose="020F0502020204030204" pitchFamily="34" charset="0"/>
+                <a:ea typeface="Times New Roman" panose="02020603050405020304" pitchFamily="18" charset="0"/>
+              </a:rPr>
+              <a:t>.</a:t>
+            </a:r>
+          </a:p>
+          <a:p>
+            <a:pPr lvl="1"/>
+            <a:r>
               <a:rPr lang="de-CH" sz="1500" dirty="0">
                 <a:solidFill>
                   <a:srgbClr val="222222"/>
@@ -5103,20 +5225,6 @@
                 <a:ea typeface="Times New Roman" panose="02020603050405020304" pitchFamily="18" charset="0"/>
               </a:rPr>
               <a:t>Kumulierung der Sentiment Daten noch zu grob/ zu ‘steil’ (allenfalls geometisch verknüpfen, oder dämpfen)</a:t>
-            </a:r>
-          </a:p>
-          <a:p>
-            <a:pPr lvl="1"/>
-            <a:r>
-              <a:rPr lang="de-CH" sz="1500" dirty="0">
-                <a:solidFill>
-                  <a:srgbClr val="222222"/>
-                </a:solidFill>
-                <a:effectLst/>
-                <a:latin typeface="Calibri" panose="020F0502020204030204" pitchFamily="34" charset="0"/>
-                <a:ea typeface="Times New Roman" panose="02020603050405020304" pitchFamily="18" charset="0"/>
-              </a:rPr>
-              <a:t>Problem mit Preis bereits angesprochen</a:t>
             </a:r>
           </a:p>
           <a:p>
@@ -5242,17 +5350,20 @@
           <a:p>
             <a:r>
               <a:rPr lang="en-US" dirty="0" err="1"/>
-              <a:t>Mit</a:t>
+              <a:t>Probleme</a:t>
             </a:r>
             <a:r>
               <a:rPr lang="en-US" dirty="0"/>
-              <a:t> CNN </a:t>
+              <a:t> – </a:t>
             </a:r>
             <a:r>
               <a:rPr lang="en-US" dirty="0" err="1"/>
-              <a:t>arbeiten</a:t>
-            </a:r>
-            <a:endParaRPr lang="en-US" dirty="0"/>
+              <a:t>Grenzen</a:t>
+            </a:r>
+            <a:r>
+              <a:rPr lang="en-US" dirty="0"/>
+              <a:t> – Learnings </a:t>
+            </a:r>
           </a:p>
         </p:txBody>
       </p:sp>
@@ -5274,8 +5385,8 @@
         </p:nvSpPr>
         <p:spPr>
           <a:xfrm>
-            <a:off x="581192" y="2173676"/>
-            <a:ext cx="4878048" cy="4199964"/>
+            <a:off x="581191" y="2173676"/>
+            <a:ext cx="11029615" cy="4199964"/>
           </a:xfrm>
         </p:spPr>
         <p:txBody>
@@ -5293,28 +5404,8 @@
                 <a:latin typeface="Calibri" panose="020F0502020204030204" pitchFamily="34" charset="0"/>
                 <a:ea typeface="Times New Roman" panose="02020603050405020304" pitchFamily="18" charset="0"/>
               </a:rPr>
-              <a:t>Beschaffen der gelabelten Daten</a:t>
-            </a:r>
-          </a:p>
-          <a:p>
-            <a:r>
-              <a:rPr lang="de-CH" sz="1800" dirty="0">
-                <a:solidFill>
-                  <a:srgbClr val="222222"/>
-                </a:solidFill>
-                <a:latin typeface="Calibri" panose="020F0502020204030204" pitchFamily="34" charset="0"/>
-                <a:ea typeface="Times New Roman" panose="02020603050405020304" pitchFamily="18" charset="0"/>
-              </a:rPr>
-              <a:t>Hochladen der Daten auf Databricks ist eine Herausforderung</a:t>
-            </a:r>
-            <a:endParaRPr lang="de-CH" sz="1800" dirty="0">
-              <a:solidFill>
-                <a:srgbClr val="222222"/>
-              </a:solidFill>
-              <a:effectLst/>
-              <a:latin typeface="Calibri" panose="020F0502020204030204" pitchFamily="34" charset="0"/>
-              <a:ea typeface="Times New Roman" panose="02020603050405020304" pitchFamily="18" charset="0"/>
-            </a:endParaRPr>
+              <a:t>Databricks Community Edition: manchmal ist der Fehler auch nicht bei uns... Und manchmal muss man minutenlang auf Resultate vom Cluster warten</a:t>
+            </a:r>
           </a:p>
           <a:p>
             <a:r>
@@ -5326,7 +5417,7 @@
                 <a:latin typeface="Calibri" panose="020F0502020204030204" pitchFamily="34" charset="0"/>
                 <a:ea typeface="Times New Roman" panose="02020603050405020304" pitchFamily="18" charset="0"/>
               </a:rPr>
-              <a:t>Google Colab scheint einfacher in der Handhabung</a:t>
+              <a:t>Aggregated Windows auf praquet: Beschreibung im Spark streaming API 3.1 ist rudimentär</a:t>
             </a:r>
           </a:p>
           <a:p>
@@ -5338,13 +5429,12 @@
                 <a:latin typeface="Calibri" panose="020F0502020204030204" pitchFamily="34" charset="0"/>
                 <a:ea typeface="Times New Roman" panose="02020603050405020304" pitchFamily="18" charset="0"/>
               </a:rPr>
-              <a:t>Issues:</a:t>
-            </a:r>
-          </a:p>
-          <a:p>
-            <a:pPr lvl="1"/>
-            <a:r>
-              <a:rPr lang="de-CH" sz="1500" dirty="0">
+              <a:t>Timestamp formats: sicherstellen dass der Timestamp über die verschiedenen Stationen im richtigen Format ist/bleibt</a:t>
+            </a:r>
+          </a:p>
+          <a:p>
+            <a:r>
+              <a:rPr lang="de-CH" sz="1800" dirty="0">
                 <a:solidFill>
                   <a:srgbClr val="222222"/>
                 </a:solidFill>
@@ -5352,187 +5442,9 @@
                 <a:latin typeface="Calibri" panose="020F0502020204030204" pitchFamily="34" charset="0"/>
                 <a:ea typeface="Times New Roman" panose="02020603050405020304" pitchFamily="18" charset="0"/>
               </a:rPr>
-              <a:t>Xxx</a:t>
-            </a:r>
-          </a:p>
-          <a:p>
-            <a:pPr lvl="1"/>
-            <a:r>
-              <a:rPr lang="de-CH" sz="1500" dirty="0">
-                <a:solidFill>
-                  <a:srgbClr val="222222"/>
-                </a:solidFill>
-                <a:latin typeface="Calibri" panose="020F0502020204030204" pitchFamily="34" charset="0"/>
-                <a:ea typeface="Times New Roman" panose="02020603050405020304" pitchFamily="18" charset="0"/>
-              </a:rPr>
-              <a:t>xxx</a:t>
-            </a:r>
-            <a:endParaRPr lang="de-CH" sz="1500" dirty="0">
-              <a:solidFill>
-                <a:srgbClr val="222222"/>
-              </a:solidFill>
-              <a:effectLst/>
-              <a:latin typeface="Calibri" panose="020F0502020204030204" pitchFamily="34" charset="0"/>
-              <a:ea typeface="Times New Roman" panose="02020603050405020304" pitchFamily="18" charset="0"/>
-            </a:endParaRPr>
-          </a:p>
-          <a:p>
-            <a:endParaRPr lang="en-US" dirty="0"/>
-          </a:p>
-        </p:txBody>
-      </p:sp>
-      <p:sp>
-        <p:nvSpPr>
-          <p:cNvPr id="3" name="Rectangle 2">
-            <a:extLst>
-              <a:ext uri="{FF2B5EF4-FFF2-40B4-BE49-F238E27FC236}">
-                <a16:creationId xmlns:a16="http://schemas.microsoft.com/office/drawing/2014/main" id="{86F39087-AF73-4C79-924A-4DB10AC57CF7}"/>
-              </a:ext>
-            </a:extLst>
-          </p:cNvPr>
-          <p:cNvSpPr/>
-          <p:nvPr/>
-        </p:nvSpPr>
-        <p:spPr>
-          <a:xfrm rot="20612290">
-            <a:off x="5697647" y="3360776"/>
-            <a:ext cx="3750644" cy="644893"/>
-          </a:xfrm>
-          <a:prstGeom prst="rect">
-            <a:avLst/>
-          </a:prstGeom>
-        </p:spPr>
-        <p:style>
-          <a:lnRef idx="2">
-            <a:schemeClr val="accent1">
-              <a:shade val="50000"/>
-            </a:schemeClr>
-          </a:lnRef>
-          <a:fillRef idx="1">
-            <a:schemeClr val="accent1"/>
-          </a:fillRef>
-          <a:effectRef idx="0">
-            <a:schemeClr val="accent1"/>
-          </a:effectRef>
-          <a:fontRef idx="minor">
-            <a:schemeClr val="lt1"/>
-          </a:fontRef>
-        </p:style>
-        <p:txBody>
-          <a:bodyPr rtlCol="0" anchor="ctr"/>
-          <a:lstStyle/>
-          <a:p>
-            <a:pPr algn="ctr"/>
-            <a:r>
-              <a:rPr lang="de-CH" dirty="0"/>
-              <a:t>Diese slide löschen?</a:t>
-            </a:r>
-            <a:endParaRPr lang="en-US" dirty="0"/>
-          </a:p>
-        </p:txBody>
-      </p:sp>
-    </p:spTree>
-    <p:extLst>
-      <p:ext uri="{BB962C8B-B14F-4D97-AF65-F5344CB8AC3E}">
-        <p14:creationId xmlns:p14="http://schemas.microsoft.com/office/powerpoint/2010/main" val="487556697"/>
-      </p:ext>
-    </p:extLst>
-  </p:cSld>
-  <p:clrMapOvr>
-    <a:masterClrMapping/>
-  </p:clrMapOvr>
-</p:sld>
-</file>
-
-<file path=ppt/slides/slide14.xml><?xml version="1.0" encoding="utf-8"?>
-<p:sld xmlns:a="http://schemas.openxmlformats.org/drawingml/2006/main" xmlns:r="http://schemas.openxmlformats.org/officeDocument/2006/relationships" xmlns:p="http://schemas.openxmlformats.org/presentationml/2006/main">
-  <p:cSld>
-    <p:spTree>
-      <p:nvGrpSpPr>
-        <p:cNvPr id="1" name=""/>
-        <p:cNvGrpSpPr/>
-        <p:nvPr/>
-      </p:nvGrpSpPr>
-      <p:grpSpPr>
-        <a:xfrm>
-          <a:off x="0" y="0"/>
-          <a:ext cx="0" cy="0"/>
-          <a:chOff x="0" y="0"/>
-          <a:chExt cx="0" cy="0"/>
-        </a:xfrm>
-      </p:grpSpPr>
-      <p:sp>
-        <p:nvSpPr>
-          <p:cNvPr id="2" name="Title 1">
-            <a:extLst>
-              <a:ext uri="{FF2B5EF4-FFF2-40B4-BE49-F238E27FC236}">
-                <a16:creationId xmlns:a16="http://schemas.microsoft.com/office/drawing/2014/main" id="{5E562972-3449-42D1-8185-B4BEFD52AB44}"/>
-              </a:ext>
-            </a:extLst>
-          </p:cNvPr>
-          <p:cNvSpPr>
-            <a:spLocks noGrp="1"/>
-          </p:cNvSpPr>
-          <p:nvPr>
-            <p:ph type="title"/>
-          </p:nvPr>
-        </p:nvSpPr>
-        <p:spPr>
-          <a:xfrm>
-            <a:off x="581192" y="702156"/>
-            <a:ext cx="11029616" cy="1045163"/>
-          </a:xfrm>
-        </p:spPr>
-        <p:txBody>
-          <a:bodyPr/>
-          <a:lstStyle/>
-          <a:p>
-            <a:r>
-              <a:rPr lang="en-US" dirty="0" err="1"/>
-              <a:t>Probleme</a:t>
-            </a:r>
-            <a:r>
-              <a:rPr lang="en-US" dirty="0"/>
-              <a:t> – </a:t>
-            </a:r>
-            <a:r>
-              <a:rPr lang="en-US" dirty="0" err="1"/>
-              <a:t>Grenzen</a:t>
-            </a:r>
-            <a:r>
-              <a:rPr lang="en-US" dirty="0"/>
-              <a:t> – Learnings </a:t>
-            </a:r>
-          </a:p>
-        </p:txBody>
-      </p:sp>
-      <p:sp>
-        <p:nvSpPr>
-          <p:cNvPr id="5" name="Content Placeholder 4">
-            <a:extLst>
-              <a:ext uri="{FF2B5EF4-FFF2-40B4-BE49-F238E27FC236}">
-                <a16:creationId xmlns:a16="http://schemas.microsoft.com/office/drawing/2014/main" id="{00AD8255-5471-499B-AB5E-62EE4E0A3E64}"/>
-              </a:ext>
-            </a:extLst>
-          </p:cNvPr>
-          <p:cNvSpPr>
-            <a:spLocks noGrp="1"/>
-          </p:cNvSpPr>
-          <p:nvPr>
-            <p:ph idx="1"/>
-          </p:nvPr>
-        </p:nvSpPr>
-        <p:spPr>
-          <a:xfrm>
-            <a:off x="581191" y="2173676"/>
-            <a:ext cx="11029615" cy="4199964"/>
-          </a:xfrm>
-        </p:spPr>
-        <p:txBody>
-          <a:bodyPr anchor="t">
-            <a:normAutofit/>
-          </a:bodyPr>
-          <a:lstStyle/>
+              <a:t>lines.select(split()) ist alergisch auf Linefeeds innerhalb der Texts. Aber Achtung: nicht alle entfernen: am Ende des Tweets muss er stehen bleiben.</a:t>
+            </a:r>
+          </a:p>
           <a:p>
             <a:r>
               <a:rPr lang="de-CH" sz="1800" dirty="0">
@@ -5543,10 +5455,18 @@
                 <a:latin typeface="Calibri" panose="020F0502020204030204" pitchFamily="34" charset="0"/>
                 <a:ea typeface="Times New Roman" panose="02020603050405020304" pitchFamily="18" charset="0"/>
               </a:rPr>
-              <a:t>Databricks Community Edition: manchmal ist der Fehler auch nicht bei uns... Und manchmal muss man minutenlang auf Resultate vom Cluster warten</a:t>
-            </a:r>
-          </a:p>
-          <a:p>
+              <a:t>Unbedingt einfach starten und zuerst ein E2E laufenden Stream herstellen (ohne weitere Bearbeitung). Erst wenn das </a:t>
+            </a:r>
+            <a:r>
+              <a:rPr lang="de-CH" sz="1800" dirty="0">
+                <a:solidFill>
+                  <a:srgbClr val="222222"/>
+                </a:solidFill>
+                <a:latin typeface="Calibri" panose="020F0502020204030204" pitchFamily="34" charset="0"/>
+                <a:ea typeface="Times New Roman" panose="02020603050405020304" pitchFamily="18" charset="0"/>
+              </a:rPr>
+              <a:t>läuft</a:t>
+            </a:r>
             <a:r>
               <a:rPr lang="de-CH" sz="1800" dirty="0">
                 <a:solidFill>
@@ -5556,69 +5476,46 @@
                 <a:latin typeface="Calibri" panose="020F0502020204030204" pitchFamily="34" charset="0"/>
                 <a:ea typeface="Times New Roman" panose="02020603050405020304" pitchFamily="18" charset="0"/>
               </a:rPr>
-              <a:t>Aggregated Windows auf praquet: Beschreibung im Spark streaming API 3.1 ist rudimentär</a:t>
-            </a:r>
-          </a:p>
-          <a:p>
-            <a:r>
-              <a:rPr lang="de-CH" sz="1800" dirty="0">
-                <a:solidFill>
-                  <a:srgbClr val="222222"/>
-                </a:solidFill>
-                <a:latin typeface="Calibri" panose="020F0502020204030204" pitchFamily="34" charset="0"/>
-                <a:ea typeface="Times New Roman" panose="02020603050405020304" pitchFamily="18" charset="0"/>
-              </a:rPr>
-              <a:t>Timestamp formats: sicherstellen dass der Timestamp über die verschiedenen Stationen im richtigen Format ist/bleibt</a:t>
-            </a:r>
-          </a:p>
-          <a:p>
-            <a:r>
-              <a:rPr lang="de-CH" sz="1800" dirty="0">
-                <a:solidFill>
-                  <a:srgbClr val="222222"/>
-                </a:solidFill>
-                <a:effectLst/>
-                <a:latin typeface="Calibri" panose="020F0502020204030204" pitchFamily="34" charset="0"/>
-                <a:ea typeface="Times New Roman" panose="02020603050405020304" pitchFamily="18" charset="0"/>
-              </a:rPr>
-              <a:t>lines.select(split()) ist alergisch auf Linefeeds innerhalb der Texts. Aber Achtung: nicht alle entfernen: am Ende des Tweets muss er stehen bleiben.</a:t>
-            </a:r>
-          </a:p>
-          <a:p>
-            <a:r>
-              <a:rPr lang="de-CH" sz="1800" dirty="0">
-                <a:solidFill>
-                  <a:srgbClr val="222222"/>
-                </a:solidFill>
-                <a:effectLst/>
-                <a:latin typeface="Calibri" panose="020F0502020204030204" pitchFamily="34" charset="0"/>
-                <a:ea typeface="Times New Roman" panose="02020603050405020304" pitchFamily="18" charset="0"/>
-              </a:rPr>
-              <a:t>Unbedingt einfach starten und zuerst ein E2E laufenden Stream herstellen (ohne weitere Bearbeitung). Erst wenn das </a:t>
-            </a:r>
-            <a:r>
-              <a:rPr lang="de-CH" sz="1800" dirty="0">
-                <a:solidFill>
-                  <a:srgbClr val="222222"/>
-                </a:solidFill>
-                <a:latin typeface="Calibri" panose="020F0502020204030204" pitchFamily="34" charset="0"/>
-                <a:ea typeface="Times New Roman" panose="02020603050405020304" pitchFamily="18" charset="0"/>
-              </a:rPr>
-              <a:t>läuft</a:t>
-            </a:r>
-            <a:r>
-              <a:rPr lang="de-CH" sz="1800" dirty="0">
-                <a:solidFill>
-                  <a:srgbClr val="222222"/>
-                </a:solidFill>
-                <a:effectLst/>
-                <a:latin typeface="Calibri" panose="020F0502020204030204" pitchFamily="34" charset="0"/>
-                <a:ea typeface="Times New Roman" panose="02020603050405020304" pitchFamily="18" charset="0"/>
-              </a:rPr>
               <a:t>, Schritt für Schritt Funktionen einfügen</a:t>
             </a:r>
           </a:p>
           <a:p>
+            <a:r>
+              <a:rPr lang="en-US" dirty="0" err="1"/>
+              <a:t>Ausblick</a:t>
+            </a:r>
+            <a:r>
+              <a:rPr lang="en-US" dirty="0"/>
+              <a:t> / </a:t>
+            </a:r>
+            <a:r>
+              <a:rPr lang="en-US" dirty="0" err="1"/>
+              <a:t>nächster</a:t>
+            </a:r>
+            <a:r>
+              <a:rPr lang="en-US" dirty="0"/>
+              <a:t> Schritt: CNN von </a:t>
+            </a:r>
+            <a:r>
+              <a:rPr lang="en-US" dirty="0" err="1"/>
+              <a:t>Colab</a:t>
+            </a:r>
+            <a:r>
+              <a:rPr lang="en-US" dirty="0"/>
+              <a:t> auf Databricks </a:t>
+            </a:r>
+            <a:r>
+              <a:rPr lang="en-US" dirty="0" err="1"/>
+              <a:t>migrieren</a:t>
+            </a:r>
+            <a:r>
+              <a:rPr lang="en-US" dirty="0"/>
+              <a:t> / </a:t>
+            </a:r>
+            <a:r>
+              <a:rPr lang="en-US" dirty="0" err="1"/>
+              <a:t>sparkifizieren</a:t>
+            </a:r>
             <a:endParaRPr lang="en-US" dirty="0"/>
           </a:p>
         </p:txBody>
@@ -6728,7 +6625,7 @@
               <a:buChar char="•"/>
             </a:pPr>
             <a:r>
-              <a:rPr lang="en-US" sz="1100" dirty="0">
+              <a:rPr lang="en-US" sz="1100" b="1" dirty="0">
                 <a:solidFill>
                   <a:schemeClr val="tx1"/>
                 </a:solidFill>
@@ -6736,7 +6633,7 @@
               <a:t>Apply Sentiment analysis (</a:t>
             </a:r>
             <a:r>
-              <a:rPr lang="en-US" sz="1100" dirty="0" err="1">
+              <a:rPr lang="en-US" sz="1100" b="1" dirty="0" err="1">
                 <a:solidFill>
                   <a:schemeClr val="tx1"/>
                 </a:solidFill>
@@ -6744,7 +6641,7 @@
               <a:t>Textblob</a:t>
             </a:r>
             <a:r>
-              <a:rPr lang="en-US" sz="1100" dirty="0">
+              <a:rPr lang="en-US" sz="1100" b="1" dirty="0">
                 <a:solidFill>
                   <a:schemeClr val="tx1"/>
                 </a:solidFill>
@@ -6783,7 +6680,23 @@
                   <a:schemeClr val="tx1"/>
                 </a:solidFill>
               </a:rPr>
-              <a:t>Save to memory and parquet</a:t>
+              <a:t>Save </a:t>
+            </a:r>
+            <a:r>
+              <a:rPr lang="en-US" sz="1100" dirty="0">
+                <a:solidFill>
+                  <a:srgbClr val="FF0000"/>
+                </a:solidFill>
+              </a:rPr>
+              <a:t>to memory </a:t>
+            </a:r>
+            <a:r>
+              <a:rPr lang="en-US" sz="1100" dirty="0">
+                <a:solidFill>
+                  <a:schemeClr val="tx1"/>
+                </a:solidFill>
+              </a:rPr>
+              <a:t>and parquet</a:t>
             </a:r>
           </a:p>
         </p:txBody>
@@ -7365,6 +7278,45 @@
           </a:prstGeom>
         </p:spPr>
       </p:pic>
+      <p:sp>
+        <p:nvSpPr>
+          <p:cNvPr id="6" name="TextBox 5">
+            <a:extLst>
+              <a:ext uri="{FF2B5EF4-FFF2-40B4-BE49-F238E27FC236}">
+                <a16:creationId xmlns:a16="http://schemas.microsoft.com/office/drawing/2014/main" id="{59ABB13E-B09A-49A3-A10C-BD98C5D10819}"/>
+              </a:ext>
+            </a:extLst>
+          </p:cNvPr>
+          <p:cNvSpPr txBox="1"/>
+          <p:nvPr/>
+        </p:nvSpPr>
+        <p:spPr>
+          <a:xfrm rot="21031898">
+            <a:off x="2524245" y="4710041"/>
+            <a:ext cx="817853" cy="261610"/>
+          </a:xfrm>
+          <a:prstGeom prst="rect">
+            <a:avLst/>
+          </a:prstGeom>
+          <a:noFill/>
+        </p:spPr>
+        <p:txBody>
+          <a:bodyPr wrap="none" rtlCol="0">
+            <a:spAutoFit/>
+          </a:bodyPr>
+          <a:lstStyle/>
+          <a:p>
+            <a:r>
+              <a:rPr lang="en-US" sz="1050" dirty="0" err="1"/>
+              <a:t>get_price</a:t>
+            </a:r>
+            <a:r>
+              <a:rPr lang="en-US" sz="1050" dirty="0"/>
+              <a:t>()</a:t>
+            </a:r>
+          </a:p>
+        </p:txBody>
+      </p:sp>
     </p:spTree>
     <p:extLst>
       <p:ext uri="{BB962C8B-B14F-4D97-AF65-F5344CB8AC3E}">
@@ -9159,10 +9111,10 @@
       </p:sp>
       <p:pic>
         <p:nvPicPr>
-          <p:cNvPr id="4" name="Picture 3">
-            <a:extLst>
-              <a:ext uri="{FF2B5EF4-FFF2-40B4-BE49-F238E27FC236}">
-                <a16:creationId xmlns:a16="http://schemas.microsoft.com/office/drawing/2014/main" id="{AB74982A-CBF7-4233-963A-EB906EA9C2E7}"/>
+          <p:cNvPr id="9" name="Picture 8">
+            <a:extLst>
+              <a:ext uri="{FF2B5EF4-FFF2-40B4-BE49-F238E27FC236}">
+                <a16:creationId xmlns:a16="http://schemas.microsoft.com/office/drawing/2014/main" id="{847DB2B5-D33F-44E4-A962-5DB2506E1E86}"/>
               </a:ext>
             </a:extLst>
           </p:cNvPr>
@@ -9179,8 +9131,8 @@
         </p:blipFill>
         <p:spPr>
           <a:xfrm>
-            <a:off x="5889168" y="4537078"/>
-            <a:ext cx="3381233" cy="1325711"/>
+            <a:off x="6198899" y="947145"/>
+            <a:ext cx="3108537" cy="2982441"/>
           </a:xfrm>
           <a:prstGeom prst="rect">
             <a:avLst/>
@@ -9189,10 +9141,10 @@
       </p:pic>
       <p:pic>
         <p:nvPicPr>
-          <p:cNvPr id="7" name="Picture 6">
-            <a:extLst>
-              <a:ext uri="{FF2B5EF4-FFF2-40B4-BE49-F238E27FC236}">
-                <a16:creationId xmlns:a16="http://schemas.microsoft.com/office/drawing/2014/main" id="{051D3619-631D-4CFE-B283-FE10A82D793B}"/>
+          <p:cNvPr id="6" name="Picture 5">
+            <a:extLst>
+              <a:ext uri="{FF2B5EF4-FFF2-40B4-BE49-F238E27FC236}">
+                <a16:creationId xmlns:a16="http://schemas.microsoft.com/office/drawing/2014/main" id="{37347F27-73C4-4CB9-ADAA-E8DE58B6CC96}"/>
               </a:ext>
             </a:extLst>
           </p:cNvPr>
@@ -9209,8 +9161,8 @@
         </p:blipFill>
         <p:spPr>
           <a:xfrm>
-            <a:off x="9397562" y="5173674"/>
-            <a:ext cx="2213246" cy="982170"/>
+            <a:off x="8131424" y="5155561"/>
+            <a:ext cx="3429479" cy="1238423"/>
           </a:xfrm>
           <a:prstGeom prst="rect">
             <a:avLst/>
@@ -9219,10 +9171,10 @@
       </p:pic>
       <p:pic>
         <p:nvPicPr>
-          <p:cNvPr id="9" name="Picture 8">
-            <a:extLst>
-              <a:ext uri="{FF2B5EF4-FFF2-40B4-BE49-F238E27FC236}">
-                <a16:creationId xmlns:a16="http://schemas.microsoft.com/office/drawing/2014/main" id="{847DB2B5-D33F-44E4-A962-5DB2506E1E86}"/>
+          <p:cNvPr id="10" name="Picture 9">
+            <a:extLst>
+              <a:ext uri="{FF2B5EF4-FFF2-40B4-BE49-F238E27FC236}">
+                <a16:creationId xmlns:a16="http://schemas.microsoft.com/office/drawing/2014/main" id="{13ED524B-A383-4ED0-9AE2-384F0A8BA555}"/>
               </a:ext>
             </a:extLst>
           </p:cNvPr>
@@ -9239,8 +9191,38 @@
         </p:blipFill>
         <p:spPr>
           <a:xfrm>
-            <a:off x="7979605" y="962966"/>
-            <a:ext cx="3631203" cy="3483905"/>
+            <a:off x="7753170" y="3498841"/>
+            <a:ext cx="4185989" cy="1686206"/>
+          </a:xfrm>
+          <a:prstGeom prst="rect">
+            <a:avLst/>
+          </a:prstGeom>
+        </p:spPr>
+      </p:pic>
+      <p:pic>
+        <p:nvPicPr>
+          <p:cNvPr id="12" name="Picture 11">
+            <a:extLst>
+              <a:ext uri="{FF2B5EF4-FFF2-40B4-BE49-F238E27FC236}">
+                <a16:creationId xmlns:a16="http://schemas.microsoft.com/office/drawing/2014/main" id="{A8A42C18-32C5-4BE3-AB4D-FA4CCD9D434F}"/>
+              </a:ext>
+            </a:extLst>
+          </p:cNvPr>
+          <p:cNvPicPr>
+            <a:picLocks noChangeAspect="1"/>
+          </p:cNvPicPr>
+          <p:nvPr/>
+        </p:nvPicPr>
+        <p:blipFill>
+          <a:blip r:embed="rId5"/>
+          <a:stretch>
+            <a:fillRect/>
+          </a:stretch>
+        </p:blipFill>
+        <p:spPr>
+          <a:xfrm>
+            <a:off x="5914586" y="5293254"/>
+            <a:ext cx="1838582" cy="800212"/>
           </a:xfrm>
           <a:prstGeom prst="rect">
             <a:avLst/>
